--- a/산업시스템종합설계_상습정체구간예측/산업시스템종합설계_상습정체구간예측.pptx
+++ b/산업시스템종합설계_상습정체구간예측/산업시스템종합설계_상습정체구간예측.pptx
@@ -1131,7 +1131,7 @@
             <a:fld id="{4064995A-3680-4A2E-80D2-6118E8F2B28E}" type="datetimeFigureOut">
               <a:rPr lang="ko-KR" altLang="en-US"/>
               <a:pPr/>
-              <a:t>2023-05-16</a:t>
+              <a:t>2023-05-28</a:t>
             </a:fld>
             <a:endParaRPr lang="ko-KR" altLang="en-US"/>
           </a:p>
@@ -1686,7 +1686,7 @@
           <a:p>
             <a:fld id="{B5FB6450-6370-4FF1-B7A9-86057077DDC9}" type="datetimeFigureOut">
               <a:rPr lang="ko-KR" altLang="en-US" smtClean="0"/>
-              <a:t>2023-05-16</a:t>
+              <a:t>2023-05-28</a:t>
             </a:fld>
             <a:endParaRPr lang="ko-KR" altLang="en-US"/>
           </a:p>
@@ -1856,7 +1856,7 @@
           <a:p>
             <a:fld id="{B5FB6450-6370-4FF1-B7A9-86057077DDC9}" type="datetimeFigureOut">
               <a:rPr lang="ko-KR" altLang="en-US" smtClean="0"/>
-              <a:t>2023-05-16</a:t>
+              <a:t>2023-05-28</a:t>
             </a:fld>
             <a:endParaRPr lang="ko-KR" altLang="en-US"/>
           </a:p>
@@ -2036,7 +2036,7 @@
           <a:p>
             <a:fld id="{B5FB6450-6370-4FF1-B7A9-86057077DDC9}" type="datetimeFigureOut">
               <a:rPr lang="ko-KR" altLang="en-US" smtClean="0"/>
-              <a:t>2023-05-16</a:t>
+              <a:t>2023-05-28</a:t>
             </a:fld>
             <a:endParaRPr lang="ko-KR" altLang="en-US"/>
           </a:p>
@@ -2206,7 +2206,7 @@
           <a:p>
             <a:fld id="{B5FB6450-6370-4FF1-B7A9-86057077DDC9}" type="datetimeFigureOut">
               <a:rPr lang="ko-KR" altLang="en-US" smtClean="0"/>
-              <a:t>2023-05-16</a:t>
+              <a:t>2023-05-28</a:t>
             </a:fld>
             <a:endParaRPr lang="ko-KR" altLang="en-US"/>
           </a:p>
@@ -2450,7 +2450,7 @@
           <a:p>
             <a:fld id="{B5FB6450-6370-4FF1-B7A9-86057077DDC9}" type="datetimeFigureOut">
               <a:rPr lang="ko-KR" altLang="en-US" smtClean="0"/>
-              <a:t>2023-05-16</a:t>
+              <a:t>2023-05-28</a:t>
             </a:fld>
             <a:endParaRPr lang="ko-KR" altLang="en-US"/>
           </a:p>
@@ -2682,7 +2682,7 @@
           <a:p>
             <a:fld id="{B5FB6450-6370-4FF1-B7A9-86057077DDC9}" type="datetimeFigureOut">
               <a:rPr lang="ko-KR" altLang="en-US" smtClean="0"/>
-              <a:t>2023-05-16</a:t>
+              <a:t>2023-05-28</a:t>
             </a:fld>
             <a:endParaRPr lang="ko-KR" altLang="en-US"/>
           </a:p>
@@ -3049,7 +3049,7 @@
           <a:p>
             <a:fld id="{B5FB6450-6370-4FF1-B7A9-86057077DDC9}" type="datetimeFigureOut">
               <a:rPr lang="ko-KR" altLang="en-US" smtClean="0"/>
-              <a:t>2023-05-16</a:t>
+              <a:t>2023-05-28</a:t>
             </a:fld>
             <a:endParaRPr lang="ko-KR" altLang="en-US"/>
           </a:p>
@@ -3167,7 +3167,7 @@
           <a:p>
             <a:fld id="{B5FB6450-6370-4FF1-B7A9-86057077DDC9}" type="datetimeFigureOut">
               <a:rPr lang="ko-KR" altLang="en-US" smtClean="0"/>
-              <a:t>2023-05-16</a:t>
+              <a:t>2023-05-28</a:t>
             </a:fld>
             <a:endParaRPr lang="ko-KR" altLang="en-US"/>
           </a:p>
@@ -3262,7 +3262,7 @@
           <a:p>
             <a:fld id="{B5FB6450-6370-4FF1-B7A9-86057077DDC9}" type="datetimeFigureOut">
               <a:rPr lang="ko-KR" altLang="en-US" smtClean="0"/>
-              <a:t>2023-05-16</a:t>
+              <a:t>2023-05-28</a:t>
             </a:fld>
             <a:endParaRPr lang="ko-KR" altLang="en-US"/>
           </a:p>
@@ -3539,7 +3539,7 @@
           <a:p>
             <a:fld id="{B5FB6450-6370-4FF1-B7A9-86057077DDC9}" type="datetimeFigureOut">
               <a:rPr lang="ko-KR" altLang="en-US" smtClean="0"/>
-              <a:t>2023-05-16</a:t>
+              <a:t>2023-05-28</a:t>
             </a:fld>
             <a:endParaRPr lang="ko-KR" altLang="en-US"/>
           </a:p>
@@ -3796,7 +3796,7 @@
           <a:p>
             <a:fld id="{B5FB6450-6370-4FF1-B7A9-86057077DDC9}" type="datetimeFigureOut">
               <a:rPr lang="ko-KR" altLang="en-US" smtClean="0"/>
-              <a:t>2023-05-16</a:t>
+              <a:t>2023-05-28</a:t>
             </a:fld>
             <a:endParaRPr lang="ko-KR" altLang="en-US"/>
           </a:p>
@@ -4011,7 +4011,7 @@
             <a:fld id="{B5FB6450-6370-4FF1-B7A9-86057077DDC9}" type="datetimeFigureOut">
               <a:rPr lang="ko-KR" altLang="en-US"/>
               <a:pPr/>
-              <a:t>2023-05-16</a:t>
+              <a:t>2023-05-28</a:t>
             </a:fld>
             <a:endParaRPr lang="ko-KR" altLang="en-US"/>
           </a:p>
